--- a/chapter_1/pptx/0_preparation.pptx
+++ b/chapter_1/pptx/0_preparation.pptx
@@ -7,7 +7,7 @@
     <p:sldMasterId id="2147483664" r:id="rId3"/>
   </p:sldMasterIdLst>
   <p:notesMasterIdLst>
-    <p:notesMasterId r:id="rId13"/>
+    <p:notesMasterId r:id="rId15"/>
   </p:notesMasterIdLst>
   <p:sldIdLst>
     <p:sldId id="258" r:id="rId4"/>
@@ -19,6 +19,8 @@
     <p:sldId id="309" r:id="rId10"/>
     <p:sldId id="312" r:id="rId11"/>
     <p:sldId id="313" r:id="rId12"/>
+    <p:sldId id="314" r:id="rId13"/>
+    <p:sldId id="315" r:id="rId14"/>
   </p:sldIdLst>
   <p:sldSz cx="18288000" cy="10285413"/>
   <p:notesSz cx="6858000" cy="9144000"/>
@@ -218,7 +220,7 @@
           <a:p>
             <a:fld id="{9325ABCC-732D-4DFB-BF35-D5B0D3F49F74}" type="datetimeFigureOut">
               <a:rPr kumimoji="1" lang="ja-JP" altLang="en-US" smtClean="0"/>
-              <a:t>2020/5/29</a:t>
+              <a:t>2020/5/31</a:t>
             </a:fld>
             <a:endParaRPr kumimoji="1" lang="ja-JP" altLang="en-US"/>
           </a:p>
@@ -11400,6 +11402,557 @@
     <p:extLst>
       <p:ext uri="{BB962C8B-B14F-4D97-AF65-F5344CB8AC3E}">
         <p14:creationId xmlns:p14="http://schemas.microsoft.com/office/powerpoint/2010/main" val="2368739380"/>
+      </p:ext>
+    </p:extLst>
+  </p:cSld>
+  <p:clrMapOvr>
+    <a:masterClrMapping/>
+  </p:clrMapOvr>
+</p:sld>
+</file>
+
+<file path=ppt/slides/slide10.xml><?xml version="1.0" encoding="utf-8"?>
+<p:sld xmlns:a="http://schemas.openxmlformats.org/drawingml/2006/main" xmlns:r="http://schemas.openxmlformats.org/officeDocument/2006/relationships" xmlns:p="http://schemas.openxmlformats.org/presentationml/2006/main">
+  <p:cSld>
+    <p:spTree>
+      <p:nvGrpSpPr>
+        <p:cNvPr id="1" name=""/>
+        <p:cNvGrpSpPr/>
+        <p:nvPr/>
+      </p:nvGrpSpPr>
+      <p:grpSpPr>
+        <a:xfrm>
+          <a:off x="0" y="0"/>
+          <a:ext cx="0" cy="0"/>
+          <a:chOff x="0" y="0"/>
+          <a:chExt cx="0" cy="0"/>
+        </a:xfrm>
+      </p:grpSpPr>
+      <p:sp>
+        <p:nvSpPr>
+          <p:cNvPr id="9" name="タイトル 8"/>
+          <p:cNvSpPr>
+            <a:spLocks noGrp="1"/>
+          </p:cNvSpPr>
+          <p:nvPr>
+            <p:ph type="title"/>
+          </p:nvPr>
+        </p:nvSpPr>
+        <p:spPr/>
+        <p:txBody>
+          <a:bodyPr/>
+          <a:lstStyle/>
+          <a:p>
+            <a:r>
+              <a:rPr lang="en-US" altLang="ja" dirty="0"/>
+              <a:t>Google</a:t>
+            </a:r>
+            <a:r>
+              <a:rPr lang="ja-JP" altLang="en-US"/>
+              <a:t> </a:t>
+            </a:r>
+            <a:r>
+              <a:rPr lang="en-US" altLang="ja-JP" dirty="0" err="1"/>
+              <a:t>Colaboratory</a:t>
+            </a:r>
+            <a:r>
+              <a:rPr lang="ja-JP" altLang="en-US"/>
+              <a:t>の準備</a:t>
+            </a:r>
+            <a:endParaRPr lang="en-US" altLang="ja" dirty="0"/>
+          </a:p>
+        </p:txBody>
+      </p:sp>
+      <p:sp>
+        <p:nvSpPr>
+          <p:cNvPr id="10" name="テキスト プレースホルダー 9"/>
+          <p:cNvSpPr>
+            <a:spLocks noGrp="1"/>
+          </p:cNvSpPr>
+          <p:nvPr>
+            <p:ph type="body" sz="quarter" idx="12"/>
+          </p:nvPr>
+        </p:nvSpPr>
+        <p:spPr>
+          <a:xfrm>
+            <a:off x="2024249" y="1150825"/>
+            <a:ext cx="15336651" cy="2740591"/>
+          </a:xfrm>
+        </p:spPr>
+        <p:txBody>
+          <a:bodyPr>
+            <a:normAutofit/>
+          </a:bodyPr>
+          <a:lstStyle/>
+          <a:p>
+            <a:r>
+              <a:rPr lang="ja-JP" altLang="en-US"/>
+              <a:t>開けない場合はアプリを追加から</a:t>
+            </a:r>
+            <a:r>
+              <a:rPr lang="en-US" altLang="ja-JP" dirty="0" err="1"/>
+              <a:t>Colaboratory</a:t>
+            </a:r>
+            <a:r>
+              <a:rPr lang="ja-JP" altLang="en-US"/>
+              <a:t>を追加してください</a:t>
+            </a:r>
+            <a:endParaRPr lang="en-US" altLang="ja-JP" dirty="0"/>
+          </a:p>
+        </p:txBody>
+      </p:sp>
+      <p:sp>
+        <p:nvSpPr>
+          <p:cNvPr id="2" name="Slide Number Placeholder 1">
+            <a:extLst>
+              <a:ext uri="{FF2B5EF4-FFF2-40B4-BE49-F238E27FC236}">
+                <a16:creationId xmlns:a16="http://schemas.microsoft.com/office/drawing/2014/main" id="{2A97F163-8156-8749-9434-B1FD914DE650}"/>
+              </a:ext>
+            </a:extLst>
+          </p:cNvPr>
+          <p:cNvSpPr>
+            <a:spLocks noGrp="1"/>
+          </p:cNvSpPr>
+          <p:nvPr>
+            <p:ph type="sldNum" sz="quarter" idx="10"/>
+          </p:nvPr>
+        </p:nvSpPr>
+        <p:spPr/>
+        <p:txBody>
+          <a:bodyPr/>
+          <a:lstStyle/>
+          <a:p>
+            <a:fld id="{D28C7C6D-0F52-4FBA-8358-35C6083C2133}" type="slidenum">
+              <a:rPr kumimoji="1" lang="ja-JP" altLang="en-US" smtClean="0"/>
+              <a:pPr/>
+              <a:t>10</a:t>
+            </a:fld>
+            <a:endParaRPr kumimoji="1" lang="ja-JP" altLang="en-US"/>
+          </a:p>
+        </p:txBody>
+      </p:sp>
+      <p:sp>
+        <p:nvSpPr>
+          <p:cNvPr id="3" name="Footer Placeholder 2">
+            <a:extLst>
+              <a:ext uri="{FF2B5EF4-FFF2-40B4-BE49-F238E27FC236}">
+                <a16:creationId xmlns:a16="http://schemas.microsoft.com/office/drawing/2014/main" id="{92166720-BE61-BB43-920C-DE75E2D64AB5}"/>
+              </a:ext>
+            </a:extLst>
+          </p:cNvPr>
+          <p:cNvSpPr>
+            <a:spLocks noGrp="1"/>
+          </p:cNvSpPr>
+          <p:nvPr>
+            <p:ph type="ftr" sz="quarter" idx="11"/>
+          </p:nvPr>
+        </p:nvSpPr>
+        <p:spPr/>
+        <p:txBody>
+          <a:bodyPr/>
+          <a:lstStyle/>
+          <a:p>
+            <a:r>
+              <a:rPr kumimoji="1" lang="en-US" altLang="ja-JP"/>
+              <a:t>©︎Takato Matsumoto, 2020</a:t>
+            </a:r>
+            <a:endParaRPr kumimoji="1" lang="ja-JP" altLang="en-US" dirty="0"/>
+          </a:p>
+        </p:txBody>
+      </p:sp>
+      <p:pic>
+        <p:nvPicPr>
+          <p:cNvPr id="5" name="Picture 4" descr="A close up of text on a white background&#10;&#10;Description automatically generated">
+            <a:extLst>
+              <a:ext uri="{FF2B5EF4-FFF2-40B4-BE49-F238E27FC236}">
+                <a16:creationId xmlns:a16="http://schemas.microsoft.com/office/drawing/2014/main" id="{4BAA347F-7BB9-B54B-8651-5CCBDE3BD03C}"/>
+              </a:ext>
+            </a:extLst>
+          </p:cNvPr>
+          <p:cNvPicPr>
+            <a:picLocks noChangeAspect="1"/>
+          </p:cNvPicPr>
+          <p:nvPr/>
+        </p:nvPicPr>
+        <p:blipFill rotWithShape="1">
+          <a:blip r:embed="rId2">
+            <a:extLst>
+              <a:ext uri="{28A0092B-C50C-407E-A947-70E740481C1C}">
+                <a14:useLocalDpi xmlns:a14="http://schemas.microsoft.com/office/drawing/2010/main" val="0"/>
+              </a:ext>
+            </a:extLst>
+          </a:blip>
+          <a:srcRect l="2653" t="1834" r="3796" b="1218"/>
+          <a:stretch/>
+        </p:blipFill>
+        <p:spPr>
+          <a:xfrm>
+            <a:off x="4797287" y="3313043"/>
+            <a:ext cx="3837514" cy="6500966"/>
+          </a:xfrm>
+          <a:prstGeom prst="rect">
+            <a:avLst/>
+          </a:prstGeom>
+          <a:effectLst>
+            <a:outerShdw blurRad="50800" dist="38100" dir="5400000" algn="t" rotWithShape="0">
+              <a:prstClr val="black">
+                <a:alpha val="40000"/>
+              </a:prstClr>
+            </a:outerShdw>
+          </a:effectLst>
+        </p:spPr>
+      </p:pic>
+      <p:pic>
+        <p:nvPicPr>
+          <p:cNvPr id="8" name="Picture 7" descr="A picture containing knife, table&#10;&#10;Description automatically generated">
+            <a:extLst>
+              <a:ext uri="{FF2B5EF4-FFF2-40B4-BE49-F238E27FC236}">
+                <a16:creationId xmlns:a16="http://schemas.microsoft.com/office/drawing/2014/main" id="{CDA798B0-724A-2D41-BD1E-FBD33A697864}"/>
+              </a:ext>
+            </a:extLst>
+          </p:cNvPr>
+          <p:cNvPicPr>
+            <a:picLocks noChangeAspect="1"/>
+          </p:cNvPicPr>
+          <p:nvPr/>
+        </p:nvPicPr>
+        <p:blipFill rotWithShape="1">
+          <a:blip r:embed="rId3">
+            <a:extLst>
+              <a:ext uri="{28A0092B-C50C-407E-A947-70E740481C1C}">
+                <a14:useLocalDpi xmlns:a14="http://schemas.microsoft.com/office/drawing/2010/main" val="0"/>
+              </a:ext>
+            </a:extLst>
+          </a:blip>
+          <a:srcRect l="5573" t="6441" b="6052"/>
+          <a:stretch/>
+        </p:blipFill>
+        <p:spPr>
+          <a:xfrm>
+            <a:off x="8634801" y="3745641"/>
+            <a:ext cx="3837514" cy="1077997"/>
+          </a:xfrm>
+          <a:prstGeom prst="rect">
+            <a:avLst/>
+          </a:prstGeom>
+          <a:effectLst>
+            <a:outerShdw blurRad="50800" dist="38100" dir="5400000" algn="t" rotWithShape="0">
+              <a:prstClr val="black">
+                <a:alpha val="40000"/>
+              </a:prstClr>
+            </a:outerShdw>
+          </a:effectLst>
+        </p:spPr>
+      </p:pic>
+      <p:sp>
+        <p:nvSpPr>
+          <p:cNvPr id="11" name="Rounded Rectangle 10">
+            <a:extLst>
+              <a:ext uri="{FF2B5EF4-FFF2-40B4-BE49-F238E27FC236}">
+                <a16:creationId xmlns:a16="http://schemas.microsoft.com/office/drawing/2014/main" id="{D693DE40-FA5D-9646-8E17-F3D68700636C}"/>
+              </a:ext>
+            </a:extLst>
+          </p:cNvPr>
+          <p:cNvSpPr/>
+          <p:nvPr/>
+        </p:nvSpPr>
+        <p:spPr>
+          <a:xfrm>
+            <a:off x="8634801" y="3779153"/>
+            <a:ext cx="3837514" cy="578373"/>
+          </a:xfrm>
+          <a:prstGeom prst="roundRect">
+            <a:avLst/>
+          </a:prstGeom>
+          <a:solidFill>
+            <a:schemeClr val="accent2">
+              <a:alpha val="30000"/>
+            </a:schemeClr>
+          </a:solidFill>
+          <a:ln>
+            <a:noFill/>
+          </a:ln>
+        </p:spPr>
+        <p:style>
+          <a:lnRef idx="2">
+            <a:schemeClr val="accent1">
+              <a:shade val="50000"/>
+            </a:schemeClr>
+          </a:lnRef>
+          <a:fillRef idx="1">
+            <a:schemeClr val="accent1"/>
+          </a:fillRef>
+          <a:effectRef idx="0">
+            <a:schemeClr val="accent1"/>
+          </a:effectRef>
+          <a:fontRef idx="minor">
+            <a:schemeClr val="lt1"/>
+          </a:fontRef>
+        </p:style>
+        <p:txBody>
+          <a:bodyPr rtlCol="0" anchor="ctr"/>
+          <a:lstStyle/>
+          <a:p>
+            <a:pPr algn="ctr"/>
+            <a:endParaRPr kumimoji="1" lang="en-JP" dirty="0"/>
+          </a:p>
+        </p:txBody>
+      </p:sp>
+    </p:spTree>
+    <p:extLst>
+      <p:ext uri="{BB962C8B-B14F-4D97-AF65-F5344CB8AC3E}">
+        <p14:creationId xmlns:p14="http://schemas.microsoft.com/office/powerpoint/2010/main" val="3165486216"/>
+      </p:ext>
+    </p:extLst>
+  </p:cSld>
+  <p:clrMapOvr>
+    <a:masterClrMapping/>
+  </p:clrMapOvr>
+</p:sld>
+</file>
+
+<file path=ppt/slides/slide11.xml><?xml version="1.0" encoding="utf-8"?>
+<p:sld xmlns:a="http://schemas.openxmlformats.org/drawingml/2006/main" xmlns:r="http://schemas.openxmlformats.org/officeDocument/2006/relationships" xmlns:p="http://schemas.openxmlformats.org/presentationml/2006/main">
+  <p:cSld>
+    <p:spTree>
+      <p:nvGrpSpPr>
+        <p:cNvPr id="1" name=""/>
+        <p:cNvGrpSpPr/>
+        <p:nvPr/>
+      </p:nvGrpSpPr>
+      <p:grpSpPr>
+        <a:xfrm>
+          <a:off x="0" y="0"/>
+          <a:ext cx="0" cy="0"/>
+          <a:chOff x="0" y="0"/>
+          <a:chExt cx="0" cy="0"/>
+        </a:xfrm>
+      </p:grpSpPr>
+      <p:sp>
+        <p:nvSpPr>
+          <p:cNvPr id="9" name="タイトル 8"/>
+          <p:cNvSpPr>
+            <a:spLocks noGrp="1"/>
+          </p:cNvSpPr>
+          <p:nvPr>
+            <p:ph type="title"/>
+          </p:nvPr>
+        </p:nvSpPr>
+        <p:spPr/>
+        <p:txBody>
+          <a:bodyPr/>
+          <a:lstStyle/>
+          <a:p>
+            <a:r>
+              <a:rPr lang="en-US" altLang="ja" dirty="0"/>
+              <a:t>Google</a:t>
+            </a:r>
+            <a:r>
+              <a:rPr lang="ja-JP" altLang="en-US"/>
+              <a:t> </a:t>
+            </a:r>
+            <a:r>
+              <a:rPr lang="en-US" altLang="ja-JP" dirty="0" err="1"/>
+              <a:t>Colaboratory</a:t>
+            </a:r>
+            <a:r>
+              <a:rPr lang="ja-JP" altLang="en-US"/>
+              <a:t>の準備</a:t>
+            </a:r>
+            <a:endParaRPr lang="en-US" altLang="ja" dirty="0"/>
+          </a:p>
+        </p:txBody>
+      </p:sp>
+      <p:sp>
+        <p:nvSpPr>
+          <p:cNvPr id="10" name="テキスト プレースホルダー 9"/>
+          <p:cNvSpPr>
+            <a:spLocks noGrp="1"/>
+          </p:cNvSpPr>
+          <p:nvPr>
+            <p:ph type="body" sz="quarter" idx="12"/>
+          </p:nvPr>
+        </p:nvSpPr>
+        <p:spPr>
+          <a:xfrm>
+            <a:off x="2024249" y="1150825"/>
+            <a:ext cx="15336651" cy="2740591"/>
+          </a:xfrm>
+        </p:spPr>
+        <p:txBody>
+          <a:bodyPr>
+            <a:normAutofit/>
+          </a:bodyPr>
+          <a:lstStyle/>
+          <a:p>
+            <a:r>
+              <a:rPr lang="ja-JP" altLang="en-US"/>
+              <a:t>開けない場合はアプリを追加から</a:t>
+            </a:r>
+            <a:r>
+              <a:rPr lang="en-US" altLang="ja-JP" dirty="0" err="1"/>
+              <a:t>Colaboratory</a:t>
+            </a:r>
+            <a:r>
+              <a:rPr lang="ja-JP" altLang="en-US"/>
+              <a:t>を追加してください</a:t>
+            </a:r>
+            <a:endParaRPr lang="en-US" altLang="ja-JP" dirty="0"/>
+          </a:p>
+        </p:txBody>
+      </p:sp>
+      <p:sp>
+        <p:nvSpPr>
+          <p:cNvPr id="2" name="Slide Number Placeholder 1">
+            <a:extLst>
+              <a:ext uri="{FF2B5EF4-FFF2-40B4-BE49-F238E27FC236}">
+                <a16:creationId xmlns:a16="http://schemas.microsoft.com/office/drawing/2014/main" id="{2A97F163-8156-8749-9434-B1FD914DE650}"/>
+              </a:ext>
+            </a:extLst>
+          </p:cNvPr>
+          <p:cNvSpPr>
+            <a:spLocks noGrp="1"/>
+          </p:cNvSpPr>
+          <p:nvPr>
+            <p:ph type="sldNum" sz="quarter" idx="10"/>
+          </p:nvPr>
+        </p:nvSpPr>
+        <p:spPr/>
+        <p:txBody>
+          <a:bodyPr/>
+          <a:lstStyle/>
+          <a:p>
+            <a:fld id="{D28C7C6D-0F52-4FBA-8358-35C6083C2133}" type="slidenum">
+              <a:rPr kumimoji="1" lang="ja-JP" altLang="en-US" smtClean="0"/>
+              <a:pPr/>
+              <a:t>11</a:t>
+            </a:fld>
+            <a:endParaRPr kumimoji="1" lang="ja-JP" altLang="en-US"/>
+          </a:p>
+        </p:txBody>
+      </p:sp>
+      <p:sp>
+        <p:nvSpPr>
+          <p:cNvPr id="3" name="Footer Placeholder 2">
+            <a:extLst>
+              <a:ext uri="{FF2B5EF4-FFF2-40B4-BE49-F238E27FC236}">
+                <a16:creationId xmlns:a16="http://schemas.microsoft.com/office/drawing/2014/main" id="{92166720-BE61-BB43-920C-DE75E2D64AB5}"/>
+              </a:ext>
+            </a:extLst>
+          </p:cNvPr>
+          <p:cNvSpPr>
+            <a:spLocks noGrp="1"/>
+          </p:cNvSpPr>
+          <p:nvPr>
+            <p:ph type="ftr" sz="quarter" idx="11"/>
+          </p:nvPr>
+        </p:nvSpPr>
+        <p:spPr/>
+        <p:txBody>
+          <a:bodyPr/>
+          <a:lstStyle/>
+          <a:p>
+            <a:r>
+              <a:rPr kumimoji="1" lang="en-US" altLang="ja-JP"/>
+              <a:t>©︎Takato Matsumoto, 2020</a:t>
+            </a:r>
+            <a:endParaRPr kumimoji="1" lang="ja-JP" altLang="en-US" dirty="0"/>
+          </a:p>
+        </p:txBody>
+      </p:sp>
+      <p:sp>
+        <p:nvSpPr>
+          <p:cNvPr id="11" name="Rounded Rectangle 10">
+            <a:extLst>
+              <a:ext uri="{FF2B5EF4-FFF2-40B4-BE49-F238E27FC236}">
+                <a16:creationId xmlns:a16="http://schemas.microsoft.com/office/drawing/2014/main" id="{D693DE40-FA5D-9646-8E17-F3D68700636C}"/>
+              </a:ext>
+            </a:extLst>
+          </p:cNvPr>
+          <p:cNvSpPr/>
+          <p:nvPr/>
+        </p:nvSpPr>
+        <p:spPr>
+          <a:xfrm>
+            <a:off x="8634801" y="3779153"/>
+            <a:ext cx="3837514" cy="578373"/>
+          </a:xfrm>
+          <a:prstGeom prst="roundRect">
+            <a:avLst/>
+          </a:prstGeom>
+          <a:solidFill>
+            <a:schemeClr val="accent2">
+              <a:alpha val="30000"/>
+            </a:schemeClr>
+          </a:solidFill>
+          <a:ln>
+            <a:noFill/>
+          </a:ln>
+        </p:spPr>
+        <p:style>
+          <a:lnRef idx="2">
+            <a:schemeClr val="accent1">
+              <a:shade val="50000"/>
+            </a:schemeClr>
+          </a:lnRef>
+          <a:fillRef idx="1">
+            <a:schemeClr val="accent1"/>
+          </a:fillRef>
+          <a:effectRef idx="0">
+            <a:schemeClr val="accent1"/>
+          </a:effectRef>
+          <a:fontRef idx="minor">
+            <a:schemeClr val="lt1"/>
+          </a:fontRef>
+        </p:style>
+        <p:txBody>
+          <a:bodyPr rtlCol="0" anchor="ctr"/>
+          <a:lstStyle/>
+          <a:p>
+            <a:pPr algn="ctr"/>
+            <a:endParaRPr kumimoji="1" lang="en-JP" dirty="0"/>
+          </a:p>
+        </p:txBody>
+      </p:sp>
+      <p:pic>
+        <p:nvPicPr>
+          <p:cNvPr id="6" name="Picture 5" descr="A screenshot of a cell phone&#10;&#10;Description automatically generated">
+            <a:extLst>
+              <a:ext uri="{FF2B5EF4-FFF2-40B4-BE49-F238E27FC236}">
+                <a16:creationId xmlns:a16="http://schemas.microsoft.com/office/drawing/2014/main" id="{C621CCF9-49AC-6246-BC7E-B766596C2E8D}"/>
+              </a:ext>
+            </a:extLst>
+          </p:cNvPr>
+          <p:cNvPicPr>
+            <a:picLocks noChangeAspect="1"/>
+          </p:cNvPicPr>
+          <p:nvPr/>
+        </p:nvPicPr>
+        <p:blipFill rotWithShape="1">
+          <a:blip r:embed="rId2">
+            <a:extLst>
+              <a:ext uri="{28A0092B-C50C-407E-A947-70E740481C1C}">
+                <a14:useLocalDpi xmlns:a14="http://schemas.microsoft.com/office/drawing/2010/main" val="0"/>
+              </a:ext>
+            </a:extLst>
+          </a:blip>
+          <a:srcRect t="1555"/>
+          <a:stretch/>
+        </p:blipFill>
+        <p:spPr>
+          <a:xfrm>
+            <a:off x="2661754" y="3008395"/>
+            <a:ext cx="12407900" cy="6126193"/>
+          </a:xfrm>
+          <a:prstGeom prst="rect">
+            <a:avLst/>
+          </a:prstGeom>
+        </p:spPr>
+      </p:pic>
+    </p:spTree>
+    <p:extLst>
+      <p:ext uri="{BB962C8B-B14F-4D97-AF65-F5344CB8AC3E}">
+        <p14:creationId xmlns:p14="http://schemas.microsoft.com/office/powerpoint/2010/main" val="726530030"/>
       </p:ext>
     </p:extLst>
   </p:cSld>
